--- a/페이징개념.pptx
+++ b/페이징개념.pptx
@@ -2968,7 +2968,7 @@
         <p:spPr>
           <a:xfrm>
             <a:off x="706582" y="2452104"/>
-            <a:ext cx="10831484" cy="4801314"/>
+            <a:ext cx="10831484" cy="4524315"/>
           </a:xfrm>
           <a:prstGeom prst="rect">
             <a:avLst/>
@@ -3509,7 +3509,63 @@
                   <a:srgbClr val="00B0F0"/>
                 </a:solidFill>
               </a:rPr>
-              <a:t> – 1</a:t>
+              <a:t> – 1 (</a:t>
+            </a:r>
+            <a:r>
+              <a:rPr lang="en-US" altLang="ko-KR" dirty="0" err="1">
+                <a:solidFill>
+                  <a:srgbClr val="00B0F0"/>
+                </a:solidFill>
+              </a:rPr>
+              <a:t>endPage</a:t>
+            </a:r>
+            <a:r>
+              <a:rPr lang="ko-KR" altLang="en-US" dirty="0">
+                <a:solidFill>
+                  <a:srgbClr val="00B0F0"/>
+                </a:solidFill>
+              </a:rPr>
+              <a:t>는 </a:t>
+            </a:r>
+            <a:r>
+              <a:rPr lang="en-US" altLang="ko-KR" dirty="0" err="1">
+                <a:solidFill>
+                  <a:srgbClr val="00B0F0"/>
+                </a:solidFill>
+              </a:rPr>
+              <a:t>totalPage</a:t>
+            </a:r>
+            <a:r>
+              <a:rPr lang="en-US" altLang="ko-KR" dirty="0">
+                <a:solidFill>
+                  <a:srgbClr val="00B0F0"/>
+                </a:solidFill>
+              </a:rPr>
+              <a:t> </a:t>
+            </a:r>
+            <a:r>
+              <a:rPr lang="ko-KR" altLang="en-US" dirty="0">
+                <a:solidFill>
+                  <a:srgbClr val="00B0F0"/>
+                </a:solidFill>
+              </a:rPr>
+              <a:t>보다 </a:t>
+            </a:r>
+            <a:r>
+              <a:rPr lang="ko-KR" altLang="en-US" dirty="0" err="1">
+                <a:solidFill>
+                  <a:srgbClr val="00B0F0"/>
+                </a:solidFill>
+              </a:rPr>
+              <a:t>클수없다</a:t>
+            </a:r>
+            <a:r>
+              <a:rPr lang="en-US" altLang="ko-KR" dirty="0">
+                <a:solidFill>
+                  <a:srgbClr val="00B0F0"/>
+                </a:solidFill>
+              </a:rPr>
+              <a:t>)</a:t>
             </a:r>
           </a:p>
           <a:p>
@@ -3561,6 +3617,77 @@
               </a:rPr>
               <a:t>page + 1</a:t>
             </a:r>
+            <a:br>
+              <a:rPr lang="en-US" altLang="ko-KR" dirty="0">
+                <a:solidFill>
+                  <a:srgbClr val="00B0F0"/>
+                </a:solidFill>
+              </a:rPr>
+            </a:br>
+            <a:r>
+              <a:rPr lang="en-US" altLang="ko-KR" dirty="0">
+                <a:solidFill>
+                  <a:srgbClr val="00B0F0"/>
+                </a:solidFill>
+              </a:rPr>
+              <a:t>						(</a:t>
+            </a:r>
+            <a:r>
+              <a:rPr lang="en-US" altLang="ko-KR" dirty="0" err="1">
+                <a:solidFill>
+                  <a:srgbClr val="00B0F0"/>
+                </a:solidFill>
+              </a:rPr>
+              <a:t>nextPage</a:t>
+            </a:r>
+            <a:r>
+              <a:rPr lang="ko-KR" altLang="en-US" dirty="0">
+                <a:solidFill>
+                  <a:srgbClr val="00B0F0"/>
+                </a:solidFill>
+              </a:rPr>
+              <a:t>는 </a:t>
+            </a:r>
+            <a:r>
+              <a:rPr lang="en-US" altLang="ko-KR" dirty="0" err="1">
+                <a:solidFill>
+                  <a:srgbClr val="00B0F0"/>
+                </a:solidFill>
+              </a:rPr>
+              <a:t>totalPage</a:t>
+            </a:r>
+            <a:r>
+              <a:rPr lang="en-US" altLang="ko-KR" dirty="0">
+                <a:solidFill>
+                  <a:srgbClr val="00B0F0"/>
+                </a:solidFill>
+              </a:rPr>
+              <a:t> </a:t>
+            </a:r>
+            <a:r>
+              <a:rPr lang="ko-KR" altLang="en-US" dirty="0">
+                <a:solidFill>
+                  <a:srgbClr val="00B0F0"/>
+                </a:solidFill>
+              </a:rPr>
+              <a:t>보다 </a:t>
+            </a:r>
+            <a:r>
+              <a:rPr lang="ko-KR" altLang="en-US" dirty="0" err="1">
+                <a:solidFill>
+                  <a:srgbClr val="00B0F0"/>
+                </a:solidFill>
+              </a:rPr>
+              <a:t>클수없다</a:t>
+            </a:r>
+            <a:r>
+              <a:rPr lang="en-US" altLang="ko-KR" dirty="0">
+                <a:solidFill>
+                  <a:srgbClr val="00B0F0"/>
+                </a:solidFill>
+              </a:rPr>
+              <a:t>)</a:t>
+            </a:r>
           </a:p>
           <a:p>
             <a:pPr marL="800100" lvl="1" indent="-342900">
@@ -3610,130 +3737,6 @@
                 </a:solidFill>
               </a:rPr>
               <a:t>page – 1</a:t>
-            </a:r>
-          </a:p>
-          <a:p>
-            <a:pPr marL="800100" lvl="1" indent="-342900">
-              <a:buFontTx/>
-              <a:buAutoNum type="arabicPeriod"/>
-            </a:pPr>
-            <a:r>
-              <a:rPr lang="en-US" altLang="ko-KR" dirty="0" err="1"/>
-              <a:t>nextPager</a:t>
-            </a:r>
-            <a:r>
-              <a:rPr lang="en-US" altLang="ko-KR" dirty="0"/>
-              <a:t>		: .</a:t>
-            </a:r>
-            <a:r>
-              <a:rPr lang="en-US" altLang="ko-KR" dirty="0" err="1"/>
-              <a:t>bt</a:t>
-            </a:r>
-            <a:r>
-              <a:rPr lang="en-US" altLang="ko-KR" dirty="0"/>
-              <a:t>-pager-next </a:t>
-            </a:r>
-            <a:r>
-              <a:rPr lang="ko-KR" altLang="en-US" dirty="0" err="1"/>
-              <a:t>클릭시</a:t>
-            </a:r>
-            <a:r>
-              <a:rPr lang="ko-KR" altLang="en-US" dirty="0"/>
-              <a:t> </a:t>
-            </a:r>
-            <a:r>
-              <a:rPr lang="ko-KR" altLang="en-US" dirty="0" err="1"/>
-              <a:t>가야될</a:t>
-            </a:r>
-            <a:r>
-              <a:rPr lang="ko-KR" altLang="en-US" dirty="0"/>
-              <a:t> 페이지 </a:t>
-            </a:r>
-            <a:r>
-              <a:rPr lang="en-US" altLang="ko-KR" dirty="0"/>
-              <a:t>=&gt; </a:t>
-            </a:r>
-            <a:r>
-              <a:rPr lang="en-US" altLang="ko-KR" dirty="0" err="1">
-                <a:solidFill>
-                  <a:srgbClr val="00B0F0"/>
-                </a:solidFill>
-              </a:rPr>
-              <a:t>endPage</a:t>
-            </a:r>
-            <a:r>
-              <a:rPr lang="en-US" altLang="ko-KR" dirty="0">
-                <a:solidFill>
-                  <a:srgbClr val="00B0F0"/>
-                </a:solidFill>
-              </a:rPr>
-              <a:t> + 1</a:t>
-            </a:r>
-          </a:p>
-          <a:p>
-            <a:pPr marL="800100" lvl="1" indent="-342900">
-              <a:buFontTx/>
-              <a:buAutoNum type="arabicPeriod"/>
-            </a:pPr>
-            <a:r>
-              <a:rPr lang="en-US" altLang="ko-KR" dirty="0" err="1"/>
-              <a:t>prevPager</a:t>
-            </a:r>
-            <a:r>
-              <a:rPr lang="en-US" altLang="ko-KR" dirty="0"/>
-              <a:t>	: .</a:t>
-            </a:r>
-            <a:r>
-              <a:rPr lang="en-US" altLang="ko-KR" dirty="0" err="1"/>
-              <a:t>bt</a:t>
-            </a:r>
-            <a:r>
-              <a:rPr lang="en-US" altLang="ko-KR" dirty="0"/>
-              <a:t>-pager-</a:t>
-            </a:r>
-            <a:r>
-              <a:rPr lang="en-US" altLang="ko-KR" dirty="0" err="1"/>
-              <a:t>prev</a:t>
-            </a:r>
-            <a:r>
-              <a:rPr lang="en-US" altLang="ko-KR" dirty="0"/>
-              <a:t> </a:t>
-            </a:r>
-            <a:r>
-              <a:rPr lang="ko-KR" altLang="en-US" dirty="0" err="1"/>
-              <a:t>클릭시</a:t>
-            </a:r>
-            <a:r>
-              <a:rPr lang="ko-KR" altLang="en-US" dirty="0"/>
-              <a:t> </a:t>
-            </a:r>
-            <a:r>
-              <a:rPr lang="ko-KR" altLang="en-US" dirty="0" err="1"/>
-              <a:t>가야될</a:t>
-            </a:r>
-            <a:r>
-              <a:rPr lang="ko-KR" altLang="en-US" dirty="0"/>
-              <a:t> 페이지 </a:t>
-            </a:r>
-            <a:r>
-              <a:rPr lang="en-US" altLang="ko-KR" dirty="0"/>
-              <a:t>=&gt; </a:t>
-            </a:r>
-            <a:r>
-              <a:rPr lang="en-US" altLang="ko-KR" dirty="0" err="1">
-                <a:solidFill>
-                  <a:srgbClr val="00B0F0"/>
-                </a:solidFill>
-              </a:rPr>
-              <a:t>startPage</a:t>
-            </a:r>
-            <a:r>
-              <a:rPr lang="en-US" altLang="ko-KR" dirty="0">
-                <a:solidFill>
-                  <a:srgbClr val="00B0F0"/>
-                </a:solidFill>
-              </a:rPr>
-              <a:t> - 1</a:t>
             </a:r>
           </a:p>
           <a:p>
@@ -3904,10 +3907,10 @@
         </p:nvGrpSpPr>
         <p:grpSpPr>
           <a:xfrm>
-            <a:off x="2019731" y="751717"/>
-            <a:ext cx="7927488" cy="1478689"/>
-            <a:chOff x="2028044" y="336664"/>
-            <a:chExt cx="7927488" cy="1478689"/>
+            <a:off x="2710381" y="751717"/>
+            <a:ext cx="6587924" cy="1478689"/>
+            <a:chOff x="2718694" y="336664"/>
+            <a:chExt cx="6587924" cy="1478689"/>
           </a:xfrm>
         </p:grpSpPr>
         <p:sp>
@@ -4081,104 +4084,6 @@
               <a:r>
                 <a:rPr lang="en-US" altLang="ko-KR"/>
                 <a:t>&gt;&gt;</a:t>
-              </a:r>
-              <a:endParaRPr lang="ko-KR" altLang="en-US"/>
-            </a:p>
-          </p:txBody>
-        </p:sp>
-        <p:sp>
-          <p:nvSpPr>
-            <p:cNvPr id="14" name="설명선 2 13"/>
-            <p:cNvSpPr/>
-            <p:nvPr/>
-          </p:nvSpPr>
-          <p:spPr>
-            <a:xfrm>
-              <a:off x="8088803" y="673555"/>
-              <a:ext cx="1770611" cy="230387"/>
-            </a:xfrm>
-            <a:prstGeom prst="borderCallout2">
-              <a:avLst>
-                <a:gd name="adj1" fmla="val 18750"/>
-                <a:gd name="adj2" fmla="val -8333"/>
-                <a:gd name="adj3" fmla="val 18750"/>
-                <a:gd name="adj4" fmla="val -16667"/>
-                <a:gd name="adj5" fmla="val 126933"/>
-                <a:gd name="adj6" fmla="val -35399"/>
-              </a:avLst>
-            </a:prstGeom>
-          </p:spPr>
-          <p:style>
-            <a:lnRef idx="2">
-              <a:schemeClr val="dk1"/>
-            </a:lnRef>
-            <a:fillRef idx="1">
-              <a:schemeClr val="lt1"/>
-            </a:fillRef>
-            <a:effectRef idx="0">
-              <a:schemeClr val="dk1"/>
-            </a:effectRef>
-            <a:fontRef idx="minor">
-              <a:schemeClr val="dk1"/>
-            </a:fontRef>
-          </p:style>
-          <p:txBody>
-            <a:bodyPr rtlCol="0" anchor="ctr"/>
-            <a:lstStyle/>
-            <a:p>
-              <a:pPr algn="ctr"/>
-              <a:r>
-                <a:rPr lang="en-US" altLang="ko-KR"/>
-                <a:t>.bt-pager-next</a:t>
-              </a:r>
-              <a:endParaRPr lang="ko-KR" altLang="en-US"/>
-            </a:p>
-          </p:txBody>
-        </p:sp>
-        <p:sp>
-          <p:nvSpPr>
-            <p:cNvPr id="15" name="설명선 2 14"/>
-            <p:cNvSpPr/>
-            <p:nvPr/>
-          </p:nvSpPr>
-          <p:spPr>
-            <a:xfrm>
-              <a:off x="2286000" y="653159"/>
-              <a:ext cx="1658389" cy="230387"/>
-            </a:xfrm>
-            <a:prstGeom prst="borderCallout2">
-              <a:avLst>
-                <a:gd name="adj1" fmla="val 137821"/>
-                <a:gd name="adj2" fmla="val 146645"/>
-                <a:gd name="adj3" fmla="val 710"/>
-                <a:gd name="adj4" fmla="val 132030"/>
-                <a:gd name="adj5" fmla="val -2962"/>
-                <a:gd name="adj6" fmla="val 102498"/>
-              </a:avLst>
-            </a:prstGeom>
-          </p:spPr>
-          <p:style>
-            <a:lnRef idx="2">
-              <a:schemeClr val="dk1"/>
-            </a:lnRef>
-            <a:fillRef idx="1">
-              <a:schemeClr val="lt1"/>
-            </a:fillRef>
-            <a:effectRef idx="0">
-              <a:schemeClr val="dk1"/>
-            </a:effectRef>
-            <a:fontRef idx="minor">
-              <a:schemeClr val="dk1"/>
-            </a:fontRef>
-          </p:style>
-          <p:txBody>
-            <a:bodyPr rtlCol="0" anchor="ctr"/>
-            <a:lstStyle/>
-            <a:p>
-              <a:pPr algn="ctr"/>
-              <a:r>
-                <a:rPr lang="en-US" altLang="ko-KR"/>
-                <a:t>.bt-pager-prev</a:t>
               </a:r>
               <a:endParaRPr lang="ko-KR" altLang="en-US"/>
             </a:p>
@@ -4497,57 +4402,13 @@
         </p:sp>
         <p:sp>
           <p:nvSpPr>
-            <p:cNvPr id="27" name="직사각형 26"/>
-            <p:cNvSpPr/>
-            <p:nvPr/>
-          </p:nvSpPr>
-          <p:spPr>
-            <a:xfrm>
-              <a:off x="7826953" y="1006272"/>
-              <a:ext cx="523701" cy="282632"/>
-            </a:xfrm>
-            <a:prstGeom prst="rect">
-              <a:avLst/>
-            </a:prstGeom>
-          </p:spPr>
-          <p:style>
-            <a:lnRef idx="2">
-              <a:schemeClr val="accent1">
-                <a:shade val="50000"/>
-              </a:schemeClr>
-            </a:lnRef>
-            <a:fillRef idx="1">
-              <a:schemeClr val="accent1"/>
-            </a:fillRef>
-            <a:effectRef idx="0">
-              <a:schemeClr val="accent1"/>
-            </a:effectRef>
-            <a:fontRef idx="minor">
-              <a:schemeClr val="lt1"/>
-            </a:fontRef>
-          </p:style>
-          <p:txBody>
-            <a:bodyPr rtlCol="0" anchor="ctr"/>
-            <a:lstStyle/>
-            <a:p>
-              <a:pPr algn="ctr"/>
-              <a:r>
-                <a:rPr lang="en-US" altLang="ko-KR"/>
-                <a:t>&gt;|</a:t>
-              </a:r>
-              <a:endParaRPr lang="ko-KR" altLang="en-US"/>
-            </a:p>
-          </p:txBody>
-        </p:sp>
-        <p:sp>
-          <p:nvSpPr>
             <p:cNvPr id="28" name="설명선 2 27"/>
             <p:cNvSpPr/>
             <p:nvPr/>
           </p:nvSpPr>
           <p:spPr>
             <a:xfrm>
-              <a:off x="8999568" y="1292835"/>
+              <a:off x="8350654" y="867484"/>
               <a:ext cx="955964" cy="230387"/>
             </a:xfrm>
             <a:prstGeom prst="borderCallout2">
@@ -4556,8 +4417,8 @@
                 <a:gd name="adj2" fmla="val -8333"/>
                 <a:gd name="adj3" fmla="val 18750"/>
                 <a:gd name="adj4" fmla="val -16667"/>
-                <a:gd name="adj5" fmla="val -71516"/>
-                <a:gd name="adj6" fmla="val -69276"/>
+                <a:gd name="adj5" fmla="val 104428"/>
+                <a:gd name="adj6" fmla="val -66318"/>
               </a:avLst>
             </a:prstGeom>
           </p:spPr>
@@ -4581,54 +4442,18 @@
             <a:p>
               <a:pPr algn="ctr"/>
               <a:r>
-                <a:rPr lang="en-US" altLang="ko-KR"/>
-                <a:t>.bt-last</a:t>
+                <a:rPr lang="en-US" altLang="ko-KR" dirty="0"/>
+                <a:t>.</a:t>
               </a:r>
-              <a:endParaRPr lang="ko-KR" altLang="en-US"/>
-            </a:p>
-          </p:txBody>
-        </p:sp>
-        <p:sp>
-          <p:nvSpPr>
-            <p:cNvPr id="29" name="직사각형 28"/>
-            <p:cNvSpPr/>
-            <p:nvPr/>
-          </p:nvSpPr>
-          <p:spPr>
-            <a:xfrm>
-              <a:off x="3786447" y="995158"/>
-              <a:ext cx="523701" cy="282632"/>
-            </a:xfrm>
-            <a:prstGeom prst="rect">
-              <a:avLst/>
-            </a:prstGeom>
-          </p:spPr>
-          <p:style>
-            <a:lnRef idx="2">
-              <a:schemeClr val="accent1">
-                <a:shade val="50000"/>
-              </a:schemeClr>
-            </a:lnRef>
-            <a:fillRef idx="1">
-              <a:schemeClr val="accent1"/>
-            </a:fillRef>
-            <a:effectRef idx="0">
-              <a:schemeClr val="accent1"/>
-            </a:effectRef>
-            <a:fontRef idx="minor">
-              <a:schemeClr val="lt1"/>
-            </a:fontRef>
-          </p:style>
-          <p:txBody>
-            <a:bodyPr rtlCol="0" anchor="ctr"/>
-            <a:lstStyle/>
-            <a:p>
-              <a:pPr algn="ctr"/>
               <a:r>
-                <a:rPr lang="en-US" altLang="ko-KR"/>
-                <a:t>|&lt;</a:t>
+                <a:rPr lang="en-US" altLang="ko-KR" dirty="0" err="1"/>
+                <a:t>bt</a:t>
               </a:r>
-              <a:endParaRPr lang="ko-KR" altLang="en-US"/>
+              <a:r>
+                <a:rPr lang="en-US" altLang="ko-KR" dirty="0"/>
+                <a:t>-last</a:t>
+              </a:r>
+              <a:endParaRPr lang="ko-KR" altLang="en-US" dirty="0"/>
             </a:p>
           </p:txBody>
         </p:sp>
@@ -4640,13 +4465,13 @@
           </p:nvSpPr>
           <p:spPr>
             <a:xfrm>
-              <a:off x="2028044" y="1199052"/>
+              <a:off x="2718694" y="852174"/>
               <a:ext cx="955964" cy="230387"/>
             </a:xfrm>
             <a:prstGeom prst="borderCallout2">
               <a:avLst>
-                <a:gd name="adj1" fmla="val -53412"/>
-                <a:gd name="adj2" fmla="val 182101"/>
+                <a:gd name="adj1" fmla="val 126624"/>
+                <a:gd name="adj2" fmla="val 181115"/>
                 <a:gd name="adj3" fmla="val 710"/>
                 <a:gd name="adj4" fmla="val 132030"/>
                 <a:gd name="adj5" fmla="val 646"/>
@@ -4674,10 +4499,18 @@
             <a:p>
               <a:pPr algn="ctr"/>
               <a:r>
-                <a:rPr lang="en-US" altLang="ko-KR"/>
-                <a:t>.bt-first</a:t>
+                <a:rPr lang="en-US" altLang="ko-KR" dirty="0"/>
+                <a:t>.</a:t>
               </a:r>
-              <a:endParaRPr lang="ko-KR" altLang="en-US"/>
+              <a:r>
+                <a:rPr lang="en-US" altLang="ko-KR" dirty="0" err="1"/>
+                <a:t>bt</a:t>
+              </a:r>
+              <a:r>
+                <a:rPr lang="en-US" altLang="ko-KR" dirty="0"/>
+                <a:t>-first</a:t>
+              </a:r>
+              <a:endParaRPr lang="ko-KR" altLang="en-US" dirty="0"/>
             </a:p>
           </p:txBody>
         </p:sp>
